--- a/3-Machine_Learning/3-RegorClass/5-Decision_Trees/ML - Árboles de decisión.pptx
+++ b/3-Machine_Learning/3-RegorClass/5-Decision_Trees/ML - Árboles de decisión.pptx
@@ -269,7 +269,7 @@
       <p15:sldGuideLst xmlns:p15="http://schemas.microsoft.com/office/powerpoint/2012/main"/>
     </p:ext>
     <p:ext uri="http://customooxmlschemas.google.com/">
-      <go:slidesCustomData xmlns="" xmlns:mc="http://schemas.openxmlformats.org/markup-compatibility/2006" xmlns:mv="urn:schemas-microsoft-com:mac:vml" xmlns:c="http://schemas.openxmlformats.org/drawingml/2006/chart" xmlns:dgm="http://schemas.openxmlformats.org/drawingml/2006/diagram" xmlns:o="urn:schemas-microsoft-com:office:office" xmlns:v="urn:schemas-microsoft-com:vml" xmlns:pvml="urn:schemas-microsoft-com:office:powerpoint" xmlns:com="http://schemas.openxmlformats.org/drawingml/2006/compatibility" xmlns:p14="http://schemas.microsoft.com/office/powerpoint/2010/main" xmlns:p15="http://schemas.microsoft.com/office/powerpoint/2012/main" xmlns:ahyp="http://schemas.microsoft.com/office/drawing/2018/hyperlinkcolor" xmlns:go="http://customooxmlschemas.google.com/" r:id="rId27" roundtripDataSignature="AMtx7mgy8Q33eZXfoNut22cPRCqlbQqUew=="/>
+      <go:slidesCustomData xmlns:go="http://customooxmlschemas.google.com/" xmlns:ahyp="http://schemas.microsoft.com/office/drawing/2018/hyperlinkcolor" xmlns:p15="http://schemas.microsoft.com/office/powerpoint/2012/main" xmlns:p14="http://schemas.microsoft.com/office/powerpoint/2010/main" xmlns:com="http://schemas.openxmlformats.org/drawingml/2006/compatibility" xmlns:pvml="urn:schemas-microsoft-com:office:powerpoint" xmlns:v="urn:schemas-microsoft-com:vml" xmlns:o="urn:schemas-microsoft-com:office:office" xmlns:dgm="http://schemas.openxmlformats.org/drawingml/2006/diagram" xmlns:c="http://schemas.openxmlformats.org/drawingml/2006/chart" xmlns:mv="urn:schemas-microsoft-com:mac:vml" xmlns:mc="http://schemas.openxmlformats.org/markup-compatibility/2006" xmlns="" r:id="rId27" roundtripDataSignature="AMtx7mgy8Q33eZXfoNut22cPRCqlbQqUew=="/>
     </p:ext>
   </p:extLst>
 </p:presentation>
@@ -14739,20 +14739,12 @@
           <a:lstStyle/>
           <a:p>
             <a:r>
-              <a:rPr lang="en-GB" dirty="0" err="1">
+              <a:rPr lang="en-GB" dirty="0">
                 <a:solidFill>
                   <a:srgbClr val="FF0000"/>
                 </a:solidFill>
               </a:rPr>
-              <a:t>Mejores</a:t>
-            </a:r>
-            <a:r>
-              <a:rPr lang="en-GB" dirty="0">
-                <a:solidFill>
-                  <a:srgbClr val="FF0000"/>
-                </a:solidFill>
-              </a:rPr>
-              <a:t> splits</a:t>
+              <a:t>Mejores splits</a:t>
             </a:r>
             <a:endParaRPr lang="es-ES" dirty="0"/>
           </a:p>
@@ -14877,161 +14869,7 @@
                 <a:cs typeface="Times New Roman" panose="02020603050405020304" pitchFamily="18" charset="0"/>
                 <a:sym typeface="Arial"/>
               </a:rPr>
-              <a:t>El algoritmo comienza dividiendo los datos de </a:t>
-            </a:r>
-            <a:r>
-              <a:rPr lang="es-ES" sz="1400" dirty="0" err="1">
-                <a:solidFill>
-                  <a:schemeClr val="bg1"/>
-                </a:solidFill>
-                <a:latin typeface="Calibri" panose="020F0502020204030204" pitchFamily="34" charset="0"/>
-                <a:cs typeface="Times New Roman" panose="02020603050405020304" pitchFamily="18" charset="0"/>
-                <a:sym typeface="Arial"/>
-              </a:rPr>
-              <a:t>train</a:t>
-            </a:r>
-            <a:r>
-              <a:rPr lang="es-ES" sz="1400" dirty="0">
-                <a:solidFill>
-                  <a:schemeClr val="bg1"/>
-                </a:solidFill>
-                <a:latin typeface="Calibri" panose="020F0502020204030204" pitchFamily="34" charset="0"/>
-                <a:cs typeface="Times New Roman" panose="02020603050405020304" pitchFamily="18" charset="0"/>
-                <a:sym typeface="Arial"/>
-              </a:rPr>
-              <a:t> en dos subconjuntos, utilizando una única variable k y un umbral </a:t>
-            </a:r>
-            <a:r>
-              <a:rPr lang="es-ES" sz="1400" dirty="0" err="1">
-                <a:solidFill>
-                  <a:schemeClr val="bg1"/>
-                </a:solidFill>
-                <a:latin typeface="Calibri" panose="020F0502020204030204" pitchFamily="34" charset="0"/>
-                <a:cs typeface="Times New Roman" panose="02020603050405020304" pitchFamily="18" charset="0"/>
-                <a:sym typeface="Arial"/>
-              </a:rPr>
-              <a:t>tk</a:t>
-            </a:r>
-            <a:r>
-              <a:rPr lang="es-ES" sz="1400" dirty="0">
-                <a:solidFill>
-                  <a:schemeClr val="bg1"/>
-                </a:solidFill>
-                <a:latin typeface="Calibri" panose="020F0502020204030204" pitchFamily="34" charset="0"/>
-                <a:cs typeface="Times New Roman" panose="02020603050405020304" pitchFamily="18" charset="0"/>
-                <a:sym typeface="Arial"/>
-              </a:rPr>
-              <a:t> (</a:t>
-            </a:r>
-            <a:r>
-              <a:rPr lang="es-ES" sz="1400" dirty="0" err="1">
-                <a:solidFill>
-                  <a:schemeClr val="bg1"/>
-                </a:solidFill>
-                <a:latin typeface="Calibri" panose="020F0502020204030204" pitchFamily="34" charset="0"/>
-                <a:cs typeface="Times New Roman" panose="02020603050405020304" pitchFamily="18" charset="0"/>
-                <a:sym typeface="Arial"/>
-              </a:rPr>
-              <a:t>e.g</a:t>
-            </a:r>
-            <a:r>
-              <a:rPr lang="es-ES" sz="1400" dirty="0">
-                <a:solidFill>
-                  <a:schemeClr val="bg1"/>
-                </a:solidFill>
-                <a:latin typeface="Calibri" panose="020F0502020204030204" pitchFamily="34" charset="0"/>
-                <a:cs typeface="Times New Roman" panose="02020603050405020304" pitchFamily="18" charset="0"/>
-                <a:sym typeface="Arial"/>
-              </a:rPr>
-              <a:t>., “</a:t>
-            </a:r>
-            <a:r>
-              <a:rPr lang="es-ES" sz="1400" dirty="0" err="1">
-                <a:solidFill>
-                  <a:schemeClr val="bg1"/>
-                </a:solidFill>
-                <a:latin typeface="Calibri" panose="020F0502020204030204" pitchFamily="34" charset="0"/>
-                <a:cs typeface="Times New Roman" panose="02020603050405020304" pitchFamily="18" charset="0"/>
-                <a:sym typeface="Arial"/>
-              </a:rPr>
-              <a:t>petal</a:t>
-            </a:r>
-            <a:r>
-              <a:rPr lang="es-ES" sz="1400" dirty="0">
-                <a:solidFill>
-                  <a:schemeClr val="bg1"/>
-                </a:solidFill>
-                <a:latin typeface="Calibri" panose="020F0502020204030204" pitchFamily="34" charset="0"/>
-                <a:cs typeface="Times New Roman" panose="02020603050405020304" pitchFamily="18" charset="0"/>
-                <a:sym typeface="Arial"/>
-              </a:rPr>
-              <a:t> </a:t>
-            </a:r>
-            <a:r>
-              <a:rPr lang="es-ES" sz="1400" dirty="0" err="1">
-                <a:solidFill>
-                  <a:schemeClr val="bg1"/>
-                </a:solidFill>
-                <a:latin typeface="Calibri" panose="020F0502020204030204" pitchFamily="34" charset="0"/>
-                <a:cs typeface="Times New Roman" panose="02020603050405020304" pitchFamily="18" charset="0"/>
-                <a:sym typeface="Arial"/>
-              </a:rPr>
-              <a:t>length</a:t>
-            </a:r>
-            <a:r>
-              <a:rPr lang="es-ES" sz="1400" dirty="0">
-                <a:solidFill>
-                  <a:schemeClr val="bg1"/>
-                </a:solidFill>
-                <a:latin typeface="Calibri" panose="020F0502020204030204" pitchFamily="34" charset="0"/>
-                <a:cs typeface="Times New Roman" panose="02020603050405020304" pitchFamily="18" charset="0"/>
-                <a:sym typeface="Arial"/>
-              </a:rPr>
-              <a:t> ≤ 2.45 cm”). Lo que busca el </a:t>
-            </a:r>
-            <a:r>
-              <a:rPr lang="es-ES" sz="1400" dirty="0" err="1">
-                <a:solidFill>
-                  <a:schemeClr val="bg1"/>
-                </a:solidFill>
-                <a:latin typeface="Calibri" panose="020F0502020204030204" pitchFamily="34" charset="0"/>
-                <a:cs typeface="Times New Roman" panose="02020603050405020304" pitchFamily="18" charset="0"/>
-                <a:sym typeface="Arial"/>
-              </a:rPr>
-              <a:t>el</a:t>
-            </a:r>
-            <a:r>
-              <a:rPr lang="es-ES" sz="1400" dirty="0">
-                <a:solidFill>
-                  <a:schemeClr val="bg1"/>
-                </a:solidFill>
-                <a:latin typeface="Calibri" panose="020F0502020204030204" pitchFamily="34" charset="0"/>
-                <a:cs typeface="Times New Roman" panose="02020603050405020304" pitchFamily="18" charset="0"/>
-                <a:sym typeface="Arial"/>
-              </a:rPr>
-              <a:t> par (</a:t>
-            </a:r>
-            <a:r>
-              <a:rPr lang="es-ES" sz="1400" dirty="0" err="1">
-                <a:solidFill>
-                  <a:schemeClr val="bg1"/>
-                </a:solidFill>
-                <a:latin typeface="Calibri" panose="020F0502020204030204" pitchFamily="34" charset="0"/>
-                <a:cs typeface="Times New Roman" panose="02020603050405020304" pitchFamily="18" charset="0"/>
-                <a:sym typeface="Arial"/>
-              </a:rPr>
-              <a:t>k,tk</a:t>
-            </a:r>
-            <a:r>
-              <a:rPr lang="es-ES" sz="1400" dirty="0">
-                <a:solidFill>
-                  <a:schemeClr val="bg1"/>
-                </a:solidFill>
-                <a:latin typeface="Calibri" panose="020F0502020204030204" pitchFamily="34" charset="0"/>
-                <a:cs typeface="Times New Roman" panose="02020603050405020304" pitchFamily="18" charset="0"/>
-                <a:sym typeface="Arial"/>
-              </a:rPr>
-              <a:t>) que produzca los subconjuntos más puros (ponderados por su tamaño).</a:t>
+              <a:t>El algoritmo comienza dividiendo los datos de train en dos subconjuntos, utilizando una única variable k y un umbral tk (e.g., “petal length ≤ 2.45 cm”). Lo que busca el par (k,tk) que produzca los subconjuntos más puros (ponderados por su tamaño).</a:t>
             </a:r>
           </a:p>
           <a:p>
@@ -15267,29 +15105,7 @@
                 <a:cs typeface="Times New Roman" panose="02020603050405020304" pitchFamily="18" charset="0"/>
                 <a:sym typeface="Arial"/>
               </a:rPr>
-              <a:t>Una vez que el algoritmo CART ha dividido con éxito el conjunto de entrenamiento en dos, divide los subconjuntos usando la misma lógica, luego los </a:t>
-            </a:r>
-            <a:r>
-              <a:rPr lang="es-ES" sz="1400" dirty="0" err="1">
-                <a:solidFill>
-                  <a:schemeClr val="bg1"/>
-                </a:solidFill>
-                <a:latin typeface="Calibri" panose="020F0502020204030204" pitchFamily="34" charset="0"/>
-                <a:cs typeface="Times New Roman" panose="02020603050405020304" pitchFamily="18" charset="0"/>
-                <a:sym typeface="Arial"/>
-              </a:rPr>
-              <a:t>sub-subconjuntos</a:t>
-            </a:r>
-            <a:r>
-              <a:rPr lang="es-ES" sz="1400" dirty="0">
-                <a:solidFill>
-                  <a:schemeClr val="bg1"/>
-                </a:solidFill>
-                <a:latin typeface="Calibri" panose="020F0502020204030204" pitchFamily="34" charset="0"/>
-                <a:cs typeface="Times New Roman" panose="02020603050405020304" pitchFamily="18" charset="0"/>
-                <a:sym typeface="Arial"/>
-              </a:rPr>
-              <a:t>, y así sucesivamente, de forma recursiva, hasta que alcanza la profundidad máxima.</a:t>
+              <a:t>Una vez que el algoritmo CART ha dividido con éxito el conjunto de entrenamiento en dos, divide los subconjuntos usando la misma lógica, luego los sub-subconjuntos, y así sucesivamente, de forma recursiva, hasta que alcanza la profundidad máxima.</a:t>
             </a:r>
           </a:p>
           <a:p>
@@ -15335,27 +15151,7 @@
                 <a:latin typeface="Calibri" panose="020F0502020204030204" pitchFamily="34" charset="0"/>
                 <a:cs typeface="Times New Roman" panose="02020603050405020304" pitchFamily="18" charset="0"/>
               </a:rPr>
-              <a:t>De forma predeterminada </a:t>
-            </a:r>
-            <a:r>
-              <a:rPr lang="es-ES" sz="1400" dirty="0" err="1">
-                <a:solidFill>
-                  <a:schemeClr val="bg1"/>
-                </a:solidFill>
-                <a:latin typeface="Calibri" panose="020F0502020204030204" pitchFamily="34" charset="0"/>
-                <a:cs typeface="Times New Roman" panose="02020603050405020304" pitchFamily="18" charset="0"/>
-              </a:rPr>
-              <a:t>Sklearn</a:t>
-            </a:r>
-            <a:r>
-              <a:rPr lang="es-ES" sz="1400" dirty="0">
-                <a:solidFill>
-                  <a:schemeClr val="bg1"/>
-                </a:solidFill>
-                <a:latin typeface="Calibri" panose="020F0502020204030204" pitchFamily="34" charset="0"/>
-                <a:cs typeface="Times New Roman" panose="02020603050405020304" pitchFamily="18" charset="0"/>
-              </a:rPr>
-              <a:t> utiliza la medida de impureza de </a:t>
+              <a:t>De forma predeterminada Sklearn utiliza la medida de impureza de </a:t>
             </a:r>
             <a:r>
               <a:rPr lang="es-ES" sz="1400" b="1" dirty="0">
@@ -15395,27 +15191,7 @@
                 <a:latin typeface="Calibri" panose="020F0502020204030204" pitchFamily="34" charset="0"/>
                 <a:cs typeface="Times New Roman" panose="02020603050405020304" pitchFamily="18" charset="0"/>
               </a:rPr>
-              <a:t>, con el parámetro “</a:t>
-            </a:r>
-            <a:r>
-              <a:rPr lang="es-ES" sz="1400" dirty="0" err="1">
-                <a:solidFill>
-                  <a:schemeClr val="bg1"/>
-                </a:solidFill>
-                <a:latin typeface="Calibri" panose="020F0502020204030204" pitchFamily="34" charset="0"/>
-                <a:cs typeface="Times New Roman" panose="02020603050405020304" pitchFamily="18" charset="0"/>
-              </a:rPr>
-              <a:t>criterion</a:t>
-            </a:r>
-            <a:r>
-              <a:rPr lang="es-ES" sz="1400" dirty="0">
-                <a:solidFill>
-                  <a:schemeClr val="bg1"/>
-                </a:solidFill>
-                <a:latin typeface="Calibri" panose="020F0502020204030204" pitchFamily="34" charset="0"/>
-                <a:cs typeface="Times New Roman" panose="02020603050405020304" pitchFamily="18" charset="0"/>
-              </a:rPr>
-              <a:t>”. </a:t>
+              <a:t>, con el parámetro “criterion”. </a:t>
             </a:r>
           </a:p>
           <a:p>
@@ -16169,14 +15945,46 @@
               <a:buNone/>
             </a:pPr>
             <a:r>
-              <a:rPr lang="en-GB">
+              <a:rPr lang="en-GB" dirty="0">
                 <a:solidFill>
                   <a:srgbClr val="FF0000"/>
                 </a:solidFill>
               </a:rPr>
-              <a:t>¿Cómo solucionamos el overfitting?</a:t>
+              <a:t>¿</a:t>
             </a:r>
-            <a:endParaRPr>
+            <a:r>
+              <a:rPr lang="en-GB" dirty="0" err="1">
+                <a:solidFill>
+                  <a:srgbClr val="FF0000"/>
+                </a:solidFill>
+              </a:rPr>
+              <a:t>Cómo</a:t>
+            </a:r>
+            <a:r>
+              <a:rPr lang="en-GB" dirty="0">
+                <a:solidFill>
+                  <a:srgbClr val="FF0000"/>
+                </a:solidFill>
+              </a:rPr>
+              <a:t> </a:t>
+            </a:r>
+            <a:r>
+              <a:rPr lang="en-GB" dirty="0" err="1">
+                <a:solidFill>
+                  <a:srgbClr val="FF0000"/>
+                </a:solidFill>
+              </a:rPr>
+              <a:t>solucionamos</a:t>
+            </a:r>
+            <a:r>
+              <a:rPr lang="en-GB" dirty="0">
+                <a:solidFill>
+                  <a:srgbClr val="FF0000"/>
+                </a:solidFill>
+              </a:rPr>
+              <a:t> el overfitting?</a:t>
+            </a:r>
+            <a:endParaRPr dirty="0">
               <a:solidFill>
                 <a:srgbClr val="FF0000"/>
               </a:solidFill>
@@ -16201,14 +16009,14 @@
               <a:buNone/>
             </a:pPr>
             <a:r>
-              <a:rPr lang="en-GB">
+              <a:rPr lang="en-GB" dirty="0" err="1">
                 <a:solidFill>
                   <a:srgbClr val="FF0000"/>
                 </a:solidFill>
               </a:rPr>
               <a:t>Prunning</a:t>
             </a:r>
-            <a:endParaRPr>
+            <a:endParaRPr dirty="0">
               <a:solidFill>
                 <a:srgbClr val="FF0000"/>
               </a:solidFill>
@@ -16397,29 +16205,7 @@
                 <a:cs typeface="Calibri"/>
                 <a:sym typeface="Calibri"/>
               </a:rPr>
-              <a:t> </a:t>
-            </a:r>
-            <a:r>
-              <a:rPr lang="en-GB" sz="1600" dirty="0" err="1">
-                <a:solidFill>
-                  <a:schemeClr val="lt1"/>
-                </a:solidFill>
-                <a:latin typeface="Calibri"/>
-                <a:cs typeface="Calibri"/>
-                <a:sym typeface="Calibri"/>
-              </a:rPr>
-              <a:t>en</a:t>
-            </a:r>
-            <a:r>
-              <a:rPr lang="en-GB" sz="1600" dirty="0">
-                <a:solidFill>
-                  <a:schemeClr val="lt1"/>
-                </a:solidFill>
-                <a:latin typeface="Calibri"/>
-                <a:cs typeface="Calibri"/>
-                <a:sym typeface="Calibri"/>
-              </a:rPr>
-              <a:t> “</a:t>
+              <a:t> en “</a:t>
             </a:r>
             <a:r>
               <a:rPr lang="en-GB" sz="1600" dirty="0" err="1">
@@ -16441,29 +16227,7 @@
                 <a:cs typeface="Calibri"/>
                 <a:sym typeface="Calibri"/>
               </a:rPr>
-              <a:t>” </a:t>
-            </a:r>
-            <a:r>
-              <a:rPr lang="en-GB" sz="1600" dirty="0" err="1">
-                <a:solidFill>
-                  <a:schemeClr val="lt1"/>
-                </a:solidFill>
-                <a:latin typeface="Calibri"/>
-                <a:cs typeface="Calibri"/>
-                <a:sym typeface="Calibri"/>
-              </a:rPr>
-              <a:t>el</a:t>
-            </a:r>
-            <a:r>
-              <a:rPr lang="en-GB" sz="1600" dirty="0">
-                <a:solidFill>
-                  <a:schemeClr val="lt1"/>
-                </a:solidFill>
-                <a:latin typeface="Calibri"/>
-                <a:cs typeface="Calibri"/>
-                <a:sym typeface="Calibri"/>
-              </a:rPr>
-              <a:t> árbol. Lo </a:t>
+              <a:t>” el árbol. Lo </a:t>
             </a:r>
             <a:r>
               <a:rPr lang="en-GB" sz="1600" dirty="0" err="1">
@@ -17547,20 +17311,12 @@
           <a:lstStyle/>
           <a:p>
             <a:r>
-              <a:rPr lang="es-ES" dirty="0" err="1">
+              <a:rPr lang="es-ES" dirty="0">
                 <a:solidFill>
                   <a:srgbClr val="FF0000"/>
                 </a:solidFill>
               </a:rPr>
-              <a:t>Feature</a:t>
-            </a:r>
-            <a:r>
-              <a:rPr lang="es-ES" dirty="0">
-                <a:solidFill>
-                  <a:srgbClr val="FF0000"/>
-                </a:solidFill>
-              </a:rPr>
-              <a:t> importance</a:t>
+              <a:t>Feature importance</a:t>
             </a:r>
             <a:endParaRPr lang="es-ES" dirty="0"/>
           </a:p>
@@ -17609,27 +17365,7 @@
                 <a:latin typeface="Calibri" panose="020F0502020204030204" pitchFamily="34" charset="0"/>
                 <a:cs typeface="Times New Roman" panose="02020603050405020304" pitchFamily="18" charset="0"/>
               </a:rPr>
-              <a:t>El árbol de decisión es un modelo  intrínsecamente explicable a través del atributo </a:t>
-            </a:r>
-            <a:r>
-              <a:rPr lang="es-ES" sz="1600" dirty="0" err="1">
-                <a:solidFill>
-                  <a:schemeClr val="bg1"/>
-                </a:solidFill>
-                <a:latin typeface="Calibri" panose="020F0502020204030204" pitchFamily="34" charset="0"/>
-                <a:cs typeface="Times New Roman" panose="02020603050405020304" pitchFamily="18" charset="0"/>
-              </a:rPr>
-              <a:t>features_importance</a:t>
-            </a:r>
-            <a:r>
-              <a:rPr lang="es-ES" sz="1600" dirty="0">
-                <a:solidFill>
-                  <a:schemeClr val="bg1"/>
-                </a:solidFill>
-                <a:latin typeface="Calibri" panose="020F0502020204030204" pitchFamily="34" charset="0"/>
-                <a:cs typeface="Times New Roman" panose="02020603050405020304" pitchFamily="18" charset="0"/>
-              </a:rPr>
-              <a:t>_ </a:t>
+              <a:t>El árbol de decisión es un modelo  intrínsecamente explicable a través del atributo features_importance_ </a:t>
             </a:r>
           </a:p>
           <a:p>
@@ -17734,87 +17470,7 @@
                 <a:latin typeface="Calibri" panose="020F0502020204030204" pitchFamily="34" charset="0"/>
                 <a:cs typeface="Times New Roman" panose="02020603050405020304" pitchFamily="18" charset="0"/>
               </a:rPr>
-              <a:t> Este mismo enfoque, con algún ajuste, se puede utilizar con algoritmos que utilizan conjuntos de árboles de decisión, como el </a:t>
-            </a:r>
-            <a:r>
-              <a:rPr lang="es-ES" sz="1600" dirty="0" err="1">
-                <a:solidFill>
-                  <a:schemeClr val="bg1"/>
-                </a:solidFill>
-                <a:latin typeface="Calibri" panose="020F0502020204030204" pitchFamily="34" charset="0"/>
-                <a:cs typeface="Times New Roman" panose="02020603050405020304" pitchFamily="18" charset="0"/>
-              </a:rPr>
-              <a:t>random</a:t>
-            </a:r>
-            <a:r>
-              <a:rPr lang="es-ES" sz="1600" dirty="0">
-                <a:solidFill>
-                  <a:schemeClr val="bg1"/>
-                </a:solidFill>
-                <a:latin typeface="Calibri" panose="020F0502020204030204" pitchFamily="34" charset="0"/>
-                <a:cs typeface="Times New Roman" panose="02020603050405020304" pitchFamily="18" charset="0"/>
-              </a:rPr>
-              <a:t> </a:t>
-            </a:r>
-            <a:r>
-              <a:rPr lang="es-ES" sz="1600" dirty="0" err="1">
-                <a:solidFill>
-                  <a:schemeClr val="bg1"/>
-                </a:solidFill>
-                <a:latin typeface="Calibri" panose="020F0502020204030204" pitchFamily="34" charset="0"/>
-                <a:cs typeface="Times New Roman" panose="02020603050405020304" pitchFamily="18" charset="0"/>
-              </a:rPr>
-              <a:t>forest</a:t>
-            </a:r>
-            <a:r>
-              <a:rPr lang="es-ES" sz="1600" dirty="0">
-                <a:solidFill>
-                  <a:schemeClr val="bg1"/>
-                </a:solidFill>
-                <a:latin typeface="Calibri" panose="020F0502020204030204" pitchFamily="34" charset="0"/>
-                <a:cs typeface="Times New Roman" panose="02020603050405020304" pitchFamily="18" charset="0"/>
-              </a:rPr>
-              <a:t> y los algoritmos de </a:t>
-            </a:r>
-            <a:r>
-              <a:rPr lang="es-ES" sz="1600" dirty="0" err="1">
-                <a:solidFill>
-                  <a:schemeClr val="bg1"/>
-                </a:solidFill>
-                <a:latin typeface="Calibri" panose="020F0502020204030204" pitchFamily="34" charset="0"/>
-                <a:cs typeface="Times New Roman" panose="02020603050405020304" pitchFamily="18" charset="0"/>
-              </a:rPr>
-              <a:t>gradient</a:t>
-            </a:r>
-            <a:r>
-              <a:rPr lang="es-ES" sz="1600" dirty="0">
-                <a:solidFill>
-                  <a:schemeClr val="bg1"/>
-                </a:solidFill>
-                <a:latin typeface="Calibri" panose="020F0502020204030204" pitchFamily="34" charset="0"/>
-                <a:cs typeface="Times New Roman" panose="02020603050405020304" pitchFamily="18" charset="0"/>
-              </a:rPr>
-              <a:t> </a:t>
-            </a:r>
-            <a:r>
-              <a:rPr lang="es-ES" sz="1600" dirty="0" err="1">
-                <a:solidFill>
-                  <a:schemeClr val="bg1"/>
-                </a:solidFill>
-                <a:latin typeface="Calibri" panose="020F0502020204030204" pitchFamily="34" charset="0"/>
-                <a:cs typeface="Times New Roman" panose="02020603050405020304" pitchFamily="18" charset="0"/>
-              </a:rPr>
-              <a:t>boosting</a:t>
-            </a:r>
-            <a:r>
-              <a:rPr lang="es-ES" sz="1600" dirty="0">
-                <a:solidFill>
-                  <a:schemeClr val="bg1"/>
-                </a:solidFill>
-                <a:latin typeface="Calibri" panose="020F0502020204030204" pitchFamily="34" charset="0"/>
-                <a:cs typeface="Times New Roman" panose="02020603050405020304" pitchFamily="18" charset="0"/>
-              </a:rPr>
-              <a:t>.</a:t>
+              <a:t> Este mismo enfoque, con algún ajuste, se puede utilizar con algoritmos que utilizan conjuntos de árboles de decisión, como el random forest y los algoritmos de gradient boosting.</a:t>
             </a:r>
           </a:p>
           <a:p>
@@ -18673,7 +18329,7 @@
               <a:buNone/>
             </a:pPr>
             <a:r>
-              <a:rPr lang="en-GB" sz="2100" b="1" dirty="0" err="1">
+              <a:rPr lang="en-GB" sz="2100" b="1" dirty="0">
                 <a:solidFill>
                   <a:schemeClr val="lt1"/>
                 </a:solidFill>
@@ -18682,19 +18338,7 @@
                 <a:cs typeface="Calibri"/>
                 <a:sym typeface="Calibri"/>
               </a:rPr>
-              <a:t>Ventajas</a:t>
-            </a:r>
-            <a:r>
-              <a:rPr lang="en-GB" sz="2100" b="1" dirty="0">
-                <a:solidFill>
-                  <a:schemeClr val="lt1"/>
-                </a:solidFill>
-                <a:latin typeface="Calibri"/>
-                <a:ea typeface="Calibri"/>
-                <a:cs typeface="Calibri"/>
-                <a:sym typeface="Calibri"/>
-              </a:rPr>
-              <a:t> </a:t>
+              <a:t>Ventajas </a:t>
             </a:r>
             <a:endParaRPr lang="es-ES" sz="2100" b="1" dirty="0">
               <a:solidFill>
@@ -18749,184 +18393,14 @@
               <a:buChar char="●"/>
             </a:pPr>
             <a:r>
-              <a:rPr lang="en-US" sz="2000" dirty="0" err="1">
+              <a:rPr lang="en-US" sz="2000" dirty="0">
                 <a:solidFill>
                   <a:schemeClr val="bg1"/>
                 </a:solidFill>
                 <a:latin typeface="Calibri" panose="020F0502020204030204" pitchFamily="34" charset="0"/>
                 <a:cs typeface="Times New Roman" panose="02020603050405020304" pitchFamily="18" charset="0"/>
               </a:rPr>
-              <a:t>Requiere</a:t>
-            </a:r>
-            <a:r>
-              <a:rPr lang="en-US" sz="2000" dirty="0">
-                <a:solidFill>
-                  <a:schemeClr val="bg1"/>
-                </a:solidFill>
-                <a:latin typeface="Calibri" panose="020F0502020204030204" pitchFamily="34" charset="0"/>
-                <a:cs typeface="Times New Roman" panose="02020603050405020304" pitchFamily="18" charset="0"/>
-              </a:rPr>
-              <a:t> </a:t>
-            </a:r>
-            <a:r>
-              <a:rPr lang="en-US" sz="2000" dirty="0" err="1">
-                <a:solidFill>
-                  <a:schemeClr val="bg1"/>
-                </a:solidFill>
-                <a:latin typeface="Calibri" panose="020F0502020204030204" pitchFamily="34" charset="0"/>
-                <a:cs typeface="Times New Roman" panose="02020603050405020304" pitchFamily="18" charset="0"/>
-              </a:rPr>
-              <a:t>muy</a:t>
-            </a:r>
-            <a:r>
-              <a:rPr lang="en-US" sz="2000" dirty="0">
-                <a:solidFill>
-                  <a:schemeClr val="bg1"/>
-                </a:solidFill>
-                <a:latin typeface="Calibri" panose="020F0502020204030204" pitchFamily="34" charset="0"/>
-                <a:cs typeface="Times New Roman" panose="02020603050405020304" pitchFamily="18" charset="0"/>
-              </a:rPr>
-              <a:t> poco </a:t>
-            </a:r>
-            <a:r>
-              <a:rPr lang="en-US" sz="2000" dirty="0" err="1">
-                <a:solidFill>
-                  <a:schemeClr val="bg1"/>
-                </a:solidFill>
-                <a:latin typeface="Calibri" panose="020F0502020204030204" pitchFamily="34" charset="0"/>
-                <a:cs typeface="Times New Roman" panose="02020603050405020304" pitchFamily="18" charset="0"/>
-              </a:rPr>
-              <a:t>preprocesado</a:t>
-            </a:r>
-            <a:r>
-              <a:rPr lang="en-US" sz="2000" dirty="0">
-                <a:solidFill>
-                  <a:schemeClr val="bg1"/>
-                </a:solidFill>
-                <a:latin typeface="Calibri" panose="020F0502020204030204" pitchFamily="34" charset="0"/>
-                <a:cs typeface="Times New Roman" panose="02020603050405020304" pitchFamily="18" charset="0"/>
-              </a:rPr>
-              <a:t> (no </a:t>
-            </a:r>
-            <a:r>
-              <a:rPr lang="en-US" sz="2000" dirty="0" err="1">
-                <a:solidFill>
-                  <a:schemeClr val="bg1"/>
-                </a:solidFill>
-                <a:latin typeface="Calibri" panose="020F0502020204030204" pitchFamily="34" charset="0"/>
-                <a:cs typeface="Times New Roman" panose="02020603050405020304" pitchFamily="18" charset="0"/>
-              </a:rPr>
-              <a:t>hace</a:t>
-            </a:r>
-            <a:r>
-              <a:rPr lang="en-US" sz="2000" dirty="0">
-                <a:solidFill>
-                  <a:schemeClr val="bg1"/>
-                </a:solidFill>
-                <a:latin typeface="Calibri" panose="020F0502020204030204" pitchFamily="34" charset="0"/>
-                <a:cs typeface="Times New Roman" panose="02020603050405020304" pitchFamily="18" charset="0"/>
-              </a:rPr>
-              <a:t> </a:t>
-            </a:r>
-            <a:r>
-              <a:rPr lang="en-US" sz="2000" dirty="0" err="1">
-                <a:solidFill>
-                  <a:schemeClr val="bg1"/>
-                </a:solidFill>
-                <a:latin typeface="Calibri" panose="020F0502020204030204" pitchFamily="34" charset="0"/>
-                <a:cs typeface="Times New Roman" panose="02020603050405020304" pitchFamily="18" charset="0"/>
-              </a:rPr>
-              <a:t>falta</a:t>
-            </a:r>
-            <a:r>
-              <a:rPr lang="en-US" sz="2000" dirty="0">
-                <a:solidFill>
-                  <a:schemeClr val="bg1"/>
-                </a:solidFill>
-                <a:latin typeface="Calibri" panose="020F0502020204030204" pitchFamily="34" charset="0"/>
-                <a:cs typeface="Times New Roman" panose="02020603050405020304" pitchFamily="18" charset="0"/>
-              </a:rPr>
-              <a:t> </a:t>
-            </a:r>
-            <a:r>
-              <a:rPr lang="en-US" sz="2000" dirty="0" err="1">
-                <a:solidFill>
-                  <a:schemeClr val="bg1"/>
-                </a:solidFill>
-                <a:latin typeface="Calibri" panose="020F0502020204030204" pitchFamily="34" charset="0"/>
-                <a:cs typeface="Times New Roman" panose="02020603050405020304" pitchFamily="18" charset="0"/>
-              </a:rPr>
-              <a:t>estandarizar</a:t>
-            </a:r>
-            <a:r>
-              <a:rPr lang="en-US" sz="2000" dirty="0">
-                <a:solidFill>
-                  <a:schemeClr val="bg1"/>
-                </a:solidFill>
-                <a:latin typeface="Calibri" panose="020F0502020204030204" pitchFamily="34" charset="0"/>
-                <a:cs typeface="Times New Roman" panose="02020603050405020304" pitchFamily="18" charset="0"/>
-              </a:rPr>
-              <a:t> </a:t>
-            </a:r>
-            <a:r>
-              <a:rPr lang="en-US" sz="2000" dirty="0" err="1">
-                <a:solidFill>
-                  <a:schemeClr val="bg1"/>
-                </a:solidFill>
-                <a:latin typeface="Calibri" panose="020F0502020204030204" pitchFamily="34" charset="0"/>
-                <a:cs typeface="Times New Roman" panose="02020603050405020304" pitchFamily="18" charset="0"/>
-              </a:rPr>
-              <a:t>ni</a:t>
-            </a:r>
-            <a:r>
-              <a:rPr lang="en-US" sz="2000" dirty="0">
-                <a:solidFill>
-                  <a:schemeClr val="bg1"/>
-                </a:solidFill>
-                <a:latin typeface="Calibri" panose="020F0502020204030204" pitchFamily="34" charset="0"/>
-                <a:cs typeface="Times New Roman" panose="02020603050405020304" pitchFamily="18" charset="0"/>
-              </a:rPr>
-              <a:t> </a:t>
-            </a:r>
-            <a:r>
-              <a:rPr lang="en-US" sz="2000" dirty="0" err="1">
-                <a:solidFill>
-                  <a:schemeClr val="bg1"/>
-                </a:solidFill>
-                <a:latin typeface="Calibri" panose="020F0502020204030204" pitchFamily="34" charset="0"/>
-                <a:cs typeface="Times New Roman" panose="02020603050405020304" pitchFamily="18" charset="0"/>
-              </a:rPr>
-              <a:t>normalizar</a:t>
-            </a:r>
-            <a:r>
-              <a:rPr lang="en-US" sz="2000" dirty="0">
-                <a:solidFill>
-                  <a:schemeClr val="bg1"/>
-                </a:solidFill>
-                <a:latin typeface="Calibri" panose="020F0502020204030204" pitchFamily="34" charset="0"/>
-                <a:cs typeface="Times New Roman" panose="02020603050405020304" pitchFamily="18" charset="0"/>
-              </a:rPr>
-              <a:t> </a:t>
-            </a:r>
-            <a:r>
-              <a:rPr lang="en-US" sz="2000" dirty="0" err="1">
-                <a:solidFill>
-                  <a:schemeClr val="bg1"/>
-                </a:solidFill>
-                <a:latin typeface="Calibri" panose="020F0502020204030204" pitchFamily="34" charset="0"/>
-                <a:cs typeface="Times New Roman" panose="02020603050405020304" pitchFamily="18" charset="0"/>
-              </a:rPr>
-              <a:t>valores</a:t>
-            </a:r>
-            <a:r>
-              <a:rPr lang="en-US" sz="2000" dirty="0">
-                <a:solidFill>
-                  <a:schemeClr val="bg1"/>
-                </a:solidFill>
-                <a:latin typeface="Calibri" panose="020F0502020204030204" pitchFamily="34" charset="0"/>
-                <a:cs typeface="Times New Roman" panose="02020603050405020304" pitchFamily="18" charset="0"/>
-              </a:rPr>
-              <a:t>)</a:t>
+              <a:t>Requiere muy poco preprocesado (no hace falta estandarizar ni normalizar valores)</a:t>
             </a:r>
             <a:endParaRPr sz="1900" dirty="0">
               <a:solidFill>
@@ -18959,51 +18433,7 @@
                 <a:cs typeface="Times New Roman" panose="02020603050405020304" pitchFamily="18" charset="0"/>
                 <a:sym typeface="Calibri"/>
               </a:rPr>
-              <a:t>Son </a:t>
-            </a:r>
-            <a:r>
-              <a:rPr lang="en-GB" sz="2000" dirty="0" err="1">
-                <a:solidFill>
-                  <a:schemeClr val="bg1"/>
-                </a:solidFill>
-                <a:latin typeface="Calibri" panose="020F0502020204030204" pitchFamily="34" charset="0"/>
-                <a:cs typeface="Times New Roman" panose="02020603050405020304" pitchFamily="18" charset="0"/>
-                <a:sym typeface="Calibri"/>
-              </a:rPr>
-              <a:t>robustos</a:t>
-            </a:r>
-            <a:r>
-              <a:rPr lang="en-GB" sz="2000" dirty="0">
-                <a:solidFill>
-                  <a:schemeClr val="bg1"/>
-                </a:solidFill>
-                <a:latin typeface="Calibri" panose="020F0502020204030204" pitchFamily="34" charset="0"/>
-                <a:cs typeface="Times New Roman" panose="02020603050405020304" pitchFamily="18" charset="0"/>
-                <a:sym typeface="Calibri"/>
-              </a:rPr>
-              <a:t> </a:t>
-            </a:r>
-            <a:r>
-              <a:rPr lang="en-GB" sz="2000" dirty="0" err="1">
-                <a:solidFill>
-                  <a:schemeClr val="bg1"/>
-                </a:solidFill>
-                <a:latin typeface="Calibri" panose="020F0502020204030204" pitchFamily="34" charset="0"/>
-                <a:cs typeface="Times New Roman" panose="02020603050405020304" pitchFamily="18" charset="0"/>
-                <a:sym typeface="Calibri"/>
-              </a:rPr>
-              <a:t>frente</a:t>
-            </a:r>
-            <a:r>
-              <a:rPr lang="en-GB" sz="2000" dirty="0">
-                <a:solidFill>
-                  <a:schemeClr val="bg1"/>
-                </a:solidFill>
-                <a:latin typeface="Calibri" panose="020F0502020204030204" pitchFamily="34" charset="0"/>
-                <a:cs typeface="Times New Roman" panose="02020603050405020304" pitchFamily="18" charset="0"/>
-                <a:sym typeface="Calibri"/>
-              </a:rPr>
-              <a:t> a outliers.</a:t>
+              <a:t>Son robustos frente a outliers.</a:t>
             </a:r>
             <a:endParaRPr sz="2000" dirty="0">
               <a:solidFill>
@@ -19027,7 +18457,7 @@
               <a:buChar char="●"/>
             </a:pPr>
             <a:r>
-              <a:rPr lang="en-GB" sz="2000" dirty="0" err="1">
+              <a:rPr lang="en-GB" sz="2000" dirty="0">
                 <a:solidFill>
                   <a:schemeClr val="bg1"/>
                 </a:solidFill>
@@ -19035,40 +18465,7 @@
                 <a:cs typeface="Times New Roman" panose="02020603050405020304" pitchFamily="18" charset="0"/>
                 <a:sym typeface="Calibri"/>
               </a:rPr>
-              <a:t>Resistentes</a:t>
-            </a:r>
-            <a:r>
-              <a:rPr lang="en-GB" sz="2000" dirty="0">
-                <a:solidFill>
-                  <a:schemeClr val="bg1"/>
-                </a:solidFill>
-                <a:latin typeface="Calibri" panose="020F0502020204030204" pitchFamily="34" charset="0"/>
-                <a:cs typeface="Times New Roman" panose="02020603050405020304" pitchFamily="18" charset="0"/>
-                <a:sym typeface="Calibri"/>
-              </a:rPr>
-              <a:t> a variables </a:t>
-            </a:r>
-            <a:r>
-              <a:rPr lang="en-GB" sz="2000" dirty="0" err="1">
-                <a:solidFill>
-                  <a:schemeClr val="bg1"/>
-                </a:solidFill>
-                <a:latin typeface="Calibri" panose="020F0502020204030204" pitchFamily="34" charset="0"/>
-                <a:cs typeface="Times New Roman" panose="02020603050405020304" pitchFamily="18" charset="0"/>
-                <a:sym typeface="Calibri"/>
-              </a:rPr>
-              <a:t>irrelevantes</a:t>
-            </a:r>
-            <a:r>
-              <a:rPr lang="en-GB" sz="2000" dirty="0">
-                <a:solidFill>
-                  <a:schemeClr val="bg1"/>
-                </a:solidFill>
-                <a:latin typeface="Calibri" panose="020F0502020204030204" pitchFamily="34" charset="0"/>
-                <a:cs typeface="Times New Roman" panose="02020603050405020304" pitchFamily="18" charset="0"/>
-                <a:sym typeface="Calibri"/>
-              </a:rPr>
-              <a:t>.</a:t>
+              <a:t>Resistentes a variables irrelevantes.</a:t>
             </a:r>
             <a:endParaRPr sz="2000" dirty="0">
               <a:solidFill>
@@ -19106,10 +18503,28 @@
                 <a:cs typeface="Calibri"/>
                 <a:sym typeface="Calibri"/>
               </a:rPr>
-              <a:t>Si son </a:t>
+              <a:t>Si son cortos, son muy sencillos de explicar e interpretables. Manejan un solo parametro (tree size). </a:t>
             </a:r>
+          </a:p>
+          <a:p>
+            <a:pPr marL="457200" lvl="0" indent="-349250" algn="l" rtl="0">
+              <a:lnSpc>
+                <a:spcPct val="115000"/>
+              </a:lnSpc>
+              <a:spcBef>
+                <a:spcPts val="0"/>
+              </a:spcBef>
+              <a:spcAft>
+                <a:spcPts val="0"/>
+              </a:spcAft>
+              <a:buClr>
+                <a:schemeClr val="lt1"/>
+              </a:buClr>
+              <a:buSzPts val="1900"/>
+              <a:buChar char="●"/>
+            </a:pPr>
             <a:r>
-              <a:rPr lang="en-GB" sz="1900" dirty="0" err="1">
+              <a:rPr lang="en-GB" sz="1900" dirty="0">
                 <a:solidFill>
                   <a:schemeClr val="bg1"/>
                 </a:solidFill>
@@ -19118,8 +18533,26 @@
                 <a:cs typeface="Calibri"/>
                 <a:sym typeface="Calibri"/>
               </a:rPr>
-              <a:t>cortos</a:t>
+              <a:t>Se pueden visualizar y de forma muy intuitiva.</a:t>
             </a:r>
+          </a:p>
+          <a:p>
+            <a:pPr marL="457200" lvl="0" indent="-349250" algn="l" rtl="0">
+              <a:lnSpc>
+                <a:spcPct val="115000"/>
+              </a:lnSpc>
+              <a:spcBef>
+                <a:spcPts val="0"/>
+              </a:spcBef>
+              <a:spcAft>
+                <a:spcPts val="0"/>
+              </a:spcAft>
+              <a:buClr>
+                <a:schemeClr val="lt1"/>
+              </a:buClr>
+              <a:buSzPts val="1900"/>
+              <a:buChar char="●"/>
+            </a:pPr>
             <a:r>
               <a:rPr lang="en-GB" sz="1900" dirty="0">
                 <a:solidFill>
@@ -19130,427 +18563,7 @@
                 <a:cs typeface="Calibri"/>
                 <a:sym typeface="Calibri"/>
               </a:rPr>
-              <a:t>, son </a:t>
-            </a:r>
-            <a:r>
-              <a:rPr lang="en-GB" sz="1900" dirty="0" err="1">
-                <a:solidFill>
-                  <a:schemeClr val="bg1"/>
-                </a:solidFill>
-                <a:latin typeface="Calibri"/>
-                <a:ea typeface="Calibri"/>
-                <a:cs typeface="Calibri"/>
-                <a:sym typeface="Calibri"/>
-              </a:rPr>
-              <a:t>muy</a:t>
-            </a:r>
-            <a:r>
-              <a:rPr lang="en-GB" sz="1900" dirty="0">
-                <a:solidFill>
-                  <a:schemeClr val="bg1"/>
-                </a:solidFill>
-                <a:latin typeface="Calibri"/>
-                <a:ea typeface="Calibri"/>
-                <a:cs typeface="Calibri"/>
-                <a:sym typeface="Calibri"/>
-              </a:rPr>
-              <a:t> </a:t>
-            </a:r>
-            <a:r>
-              <a:rPr lang="en-GB" sz="1900" dirty="0" err="1">
-                <a:solidFill>
-                  <a:schemeClr val="bg1"/>
-                </a:solidFill>
-                <a:latin typeface="Calibri"/>
-                <a:ea typeface="Calibri"/>
-                <a:cs typeface="Calibri"/>
-                <a:sym typeface="Calibri"/>
-              </a:rPr>
-              <a:t>sencillos</a:t>
-            </a:r>
-            <a:r>
-              <a:rPr lang="en-GB" sz="1900" dirty="0">
-                <a:solidFill>
-                  <a:schemeClr val="bg1"/>
-                </a:solidFill>
-                <a:latin typeface="Calibri"/>
-                <a:ea typeface="Calibri"/>
-                <a:cs typeface="Calibri"/>
-                <a:sym typeface="Calibri"/>
-              </a:rPr>
-              <a:t> de </a:t>
-            </a:r>
-            <a:r>
-              <a:rPr lang="en-GB" sz="1900" dirty="0" err="1">
-                <a:solidFill>
-                  <a:schemeClr val="bg1"/>
-                </a:solidFill>
-                <a:latin typeface="Calibri"/>
-                <a:ea typeface="Calibri"/>
-                <a:cs typeface="Calibri"/>
-                <a:sym typeface="Calibri"/>
-              </a:rPr>
-              <a:t>explicar</a:t>
-            </a:r>
-            <a:r>
-              <a:rPr lang="en-GB" sz="1900" dirty="0">
-                <a:solidFill>
-                  <a:schemeClr val="bg1"/>
-                </a:solidFill>
-                <a:latin typeface="Calibri"/>
-                <a:ea typeface="Calibri"/>
-                <a:cs typeface="Calibri"/>
-                <a:sym typeface="Calibri"/>
-              </a:rPr>
-              <a:t> e </a:t>
-            </a:r>
-            <a:r>
-              <a:rPr lang="en-GB" sz="1900" dirty="0" err="1">
-                <a:solidFill>
-                  <a:schemeClr val="bg1"/>
-                </a:solidFill>
-                <a:latin typeface="Calibri"/>
-                <a:ea typeface="Calibri"/>
-                <a:cs typeface="Calibri"/>
-                <a:sym typeface="Calibri"/>
-              </a:rPr>
-              <a:t>interpretables</a:t>
-            </a:r>
-            <a:r>
-              <a:rPr lang="en-GB" sz="1900" dirty="0">
-                <a:solidFill>
-                  <a:schemeClr val="bg1"/>
-                </a:solidFill>
-                <a:latin typeface="Calibri"/>
-                <a:ea typeface="Calibri"/>
-                <a:cs typeface="Calibri"/>
-                <a:sym typeface="Calibri"/>
-              </a:rPr>
-              <a:t>. </a:t>
-            </a:r>
-            <a:r>
-              <a:rPr lang="en-GB" sz="1900" dirty="0" err="1">
-                <a:solidFill>
-                  <a:schemeClr val="bg1"/>
-                </a:solidFill>
-                <a:latin typeface="Calibri"/>
-                <a:ea typeface="Calibri"/>
-                <a:cs typeface="Calibri"/>
-                <a:sym typeface="Calibri"/>
-              </a:rPr>
-              <a:t>Manejan</a:t>
-            </a:r>
-            <a:r>
-              <a:rPr lang="en-GB" sz="1900" dirty="0">
-                <a:solidFill>
-                  <a:schemeClr val="bg1"/>
-                </a:solidFill>
-                <a:latin typeface="Calibri"/>
-                <a:ea typeface="Calibri"/>
-                <a:cs typeface="Calibri"/>
-                <a:sym typeface="Calibri"/>
-              </a:rPr>
-              <a:t> un solo </a:t>
-            </a:r>
-            <a:r>
-              <a:rPr lang="en-GB" sz="1900" dirty="0" err="1">
-                <a:solidFill>
-                  <a:schemeClr val="bg1"/>
-                </a:solidFill>
-                <a:latin typeface="Calibri"/>
-                <a:ea typeface="Calibri"/>
-                <a:cs typeface="Calibri"/>
-                <a:sym typeface="Calibri"/>
-              </a:rPr>
-              <a:t>parametro</a:t>
-            </a:r>
-            <a:r>
-              <a:rPr lang="en-GB" sz="1900" dirty="0">
-                <a:solidFill>
-                  <a:schemeClr val="bg1"/>
-                </a:solidFill>
-                <a:latin typeface="Calibri"/>
-                <a:ea typeface="Calibri"/>
-                <a:cs typeface="Calibri"/>
-                <a:sym typeface="Calibri"/>
-              </a:rPr>
-              <a:t> (tree size). </a:t>
-            </a:r>
-          </a:p>
-          <a:p>
-            <a:pPr marL="457200" lvl="0" indent="-349250" algn="l" rtl="0">
-              <a:lnSpc>
-                <a:spcPct val="115000"/>
-              </a:lnSpc>
-              <a:spcBef>
-                <a:spcPts val="0"/>
-              </a:spcBef>
-              <a:spcAft>
-                <a:spcPts val="0"/>
-              </a:spcAft>
-              <a:buClr>
-                <a:schemeClr val="lt1"/>
-              </a:buClr>
-              <a:buSzPts val="1900"/>
-              <a:buChar char="●"/>
-            </a:pPr>
-            <a:r>
-              <a:rPr lang="en-GB" sz="1900" dirty="0">
-                <a:solidFill>
-                  <a:schemeClr val="bg1"/>
-                </a:solidFill>
-                <a:latin typeface="Calibri"/>
-                <a:ea typeface="Calibri"/>
-                <a:cs typeface="Calibri"/>
-                <a:sym typeface="Calibri"/>
-              </a:rPr>
-              <a:t>Se </a:t>
-            </a:r>
-            <a:r>
-              <a:rPr lang="en-GB" sz="1900" dirty="0" err="1">
-                <a:solidFill>
-                  <a:schemeClr val="bg1"/>
-                </a:solidFill>
-                <a:latin typeface="Calibri"/>
-                <a:ea typeface="Calibri"/>
-                <a:cs typeface="Calibri"/>
-                <a:sym typeface="Calibri"/>
-              </a:rPr>
-              <a:t>pueden</a:t>
-            </a:r>
-            <a:r>
-              <a:rPr lang="en-GB" sz="1900" dirty="0">
-                <a:solidFill>
-                  <a:schemeClr val="bg1"/>
-                </a:solidFill>
-                <a:latin typeface="Calibri"/>
-                <a:ea typeface="Calibri"/>
-                <a:cs typeface="Calibri"/>
-                <a:sym typeface="Calibri"/>
-              </a:rPr>
-              <a:t> </a:t>
-            </a:r>
-            <a:r>
-              <a:rPr lang="en-GB" sz="1900" dirty="0" err="1">
-                <a:solidFill>
-                  <a:schemeClr val="bg1"/>
-                </a:solidFill>
-                <a:latin typeface="Calibri"/>
-                <a:ea typeface="Calibri"/>
-                <a:cs typeface="Calibri"/>
-                <a:sym typeface="Calibri"/>
-              </a:rPr>
-              <a:t>visualizar</a:t>
-            </a:r>
-            <a:r>
-              <a:rPr lang="en-GB" sz="1900" dirty="0">
-                <a:solidFill>
-                  <a:schemeClr val="bg1"/>
-                </a:solidFill>
-                <a:latin typeface="Calibri"/>
-                <a:ea typeface="Calibri"/>
-                <a:cs typeface="Calibri"/>
-                <a:sym typeface="Calibri"/>
-              </a:rPr>
-              <a:t> y de forma </a:t>
-            </a:r>
-            <a:r>
-              <a:rPr lang="en-GB" sz="1900" dirty="0" err="1">
-                <a:solidFill>
-                  <a:schemeClr val="bg1"/>
-                </a:solidFill>
-                <a:latin typeface="Calibri"/>
-                <a:ea typeface="Calibri"/>
-                <a:cs typeface="Calibri"/>
-                <a:sym typeface="Calibri"/>
-              </a:rPr>
-              <a:t>muy</a:t>
-            </a:r>
-            <a:r>
-              <a:rPr lang="en-GB" sz="1900" dirty="0">
-                <a:solidFill>
-                  <a:schemeClr val="bg1"/>
-                </a:solidFill>
-                <a:latin typeface="Calibri"/>
-                <a:ea typeface="Calibri"/>
-                <a:cs typeface="Calibri"/>
-                <a:sym typeface="Calibri"/>
-              </a:rPr>
-              <a:t> </a:t>
-            </a:r>
-            <a:r>
-              <a:rPr lang="en-GB" sz="1900" dirty="0" err="1">
-                <a:solidFill>
-                  <a:schemeClr val="bg1"/>
-                </a:solidFill>
-                <a:latin typeface="Calibri"/>
-                <a:ea typeface="Calibri"/>
-                <a:cs typeface="Calibri"/>
-                <a:sym typeface="Calibri"/>
-              </a:rPr>
-              <a:t>intuitiva</a:t>
-            </a:r>
-            <a:r>
-              <a:rPr lang="en-GB" sz="1900" dirty="0">
-                <a:solidFill>
-                  <a:schemeClr val="bg1"/>
-                </a:solidFill>
-                <a:latin typeface="Calibri"/>
-                <a:ea typeface="Calibri"/>
-                <a:cs typeface="Calibri"/>
-                <a:sym typeface="Calibri"/>
-              </a:rPr>
-              <a:t>.</a:t>
-            </a:r>
-          </a:p>
-          <a:p>
-            <a:pPr marL="457200" lvl="0" indent="-349250" algn="l" rtl="0">
-              <a:lnSpc>
-                <a:spcPct val="115000"/>
-              </a:lnSpc>
-              <a:spcBef>
-                <a:spcPts val="0"/>
-              </a:spcBef>
-              <a:spcAft>
-                <a:spcPts val="0"/>
-              </a:spcAft>
-              <a:buClr>
-                <a:schemeClr val="lt1"/>
-              </a:buClr>
-              <a:buSzPts val="1900"/>
-              <a:buChar char="●"/>
-            </a:pPr>
-            <a:r>
-              <a:rPr lang="en-GB" sz="1900" dirty="0">
-                <a:solidFill>
-                  <a:schemeClr val="bg1"/>
-                </a:solidFill>
-                <a:latin typeface="Calibri"/>
-                <a:ea typeface="Calibri"/>
-                <a:cs typeface="Calibri"/>
-                <a:sym typeface="Calibri"/>
-              </a:rPr>
-              <a:t>Se </a:t>
-            </a:r>
-            <a:r>
-              <a:rPr lang="en-GB" sz="1900" dirty="0" err="1">
-                <a:solidFill>
-                  <a:schemeClr val="bg1"/>
-                </a:solidFill>
-                <a:latin typeface="Calibri"/>
-                <a:ea typeface="Calibri"/>
-                <a:cs typeface="Calibri"/>
-                <a:sym typeface="Calibri"/>
-              </a:rPr>
-              <a:t>puede</a:t>
-            </a:r>
-            <a:r>
-              <a:rPr lang="en-GB" sz="1900" dirty="0">
-                <a:solidFill>
-                  <a:schemeClr val="bg1"/>
-                </a:solidFill>
-                <a:latin typeface="Calibri"/>
-                <a:ea typeface="Calibri"/>
-                <a:cs typeface="Calibri"/>
-                <a:sym typeface="Calibri"/>
-              </a:rPr>
-              <a:t> usar con </a:t>
-            </a:r>
-            <a:r>
-              <a:rPr lang="en-GB" sz="1900" dirty="0" err="1">
-                <a:solidFill>
-                  <a:schemeClr val="bg1"/>
-                </a:solidFill>
-                <a:latin typeface="Calibri"/>
-                <a:ea typeface="Calibri"/>
-                <a:cs typeface="Calibri"/>
-                <a:sym typeface="Calibri"/>
-              </a:rPr>
-              <a:t>pocos</a:t>
-            </a:r>
-            <a:r>
-              <a:rPr lang="en-GB" sz="1900" dirty="0">
-                <a:solidFill>
-                  <a:schemeClr val="bg1"/>
-                </a:solidFill>
-                <a:latin typeface="Calibri"/>
-                <a:ea typeface="Calibri"/>
-                <a:cs typeface="Calibri"/>
-                <a:sym typeface="Calibri"/>
-              </a:rPr>
-              <a:t> o </a:t>
-            </a:r>
-            <a:r>
-              <a:rPr lang="en-GB" sz="1900" dirty="0" err="1">
-                <a:solidFill>
-                  <a:schemeClr val="bg1"/>
-                </a:solidFill>
-                <a:latin typeface="Calibri"/>
-                <a:ea typeface="Calibri"/>
-                <a:cs typeface="Calibri"/>
-                <a:sym typeface="Calibri"/>
-              </a:rPr>
-              <a:t>muchos</a:t>
-            </a:r>
-            <a:r>
-              <a:rPr lang="en-GB" sz="1900" dirty="0">
-                <a:solidFill>
-                  <a:schemeClr val="bg1"/>
-                </a:solidFill>
-                <a:latin typeface="Calibri"/>
-                <a:ea typeface="Calibri"/>
-                <a:cs typeface="Calibri"/>
-                <a:sym typeface="Calibri"/>
-              </a:rPr>
-              <a:t> </a:t>
-            </a:r>
-            <a:r>
-              <a:rPr lang="en-GB" sz="1900" dirty="0" err="1">
-                <a:solidFill>
-                  <a:schemeClr val="bg1"/>
-                </a:solidFill>
-                <a:latin typeface="Calibri"/>
-                <a:ea typeface="Calibri"/>
-                <a:cs typeface="Calibri"/>
-                <a:sym typeface="Calibri"/>
-              </a:rPr>
-              <a:t>datos</a:t>
-            </a:r>
-            <a:r>
-              <a:rPr lang="en-GB" sz="1900" dirty="0">
-                <a:solidFill>
-                  <a:schemeClr val="bg1"/>
-                </a:solidFill>
-                <a:latin typeface="Calibri"/>
-                <a:ea typeface="Calibri"/>
-                <a:cs typeface="Calibri"/>
-                <a:sym typeface="Calibri"/>
-              </a:rPr>
-              <a:t> de </a:t>
-            </a:r>
-            <a:r>
-              <a:rPr lang="en-GB" sz="1900" dirty="0" err="1">
-                <a:solidFill>
-                  <a:schemeClr val="bg1"/>
-                </a:solidFill>
-                <a:latin typeface="Calibri"/>
-                <a:ea typeface="Calibri"/>
-                <a:cs typeface="Calibri"/>
-                <a:sym typeface="Calibri"/>
-              </a:rPr>
-              <a:t>entrenamiento</a:t>
-            </a:r>
-            <a:r>
-              <a:rPr lang="en-GB" sz="1900" dirty="0">
-                <a:solidFill>
-                  <a:schemeClr val="bg1"/>
-                </a:solidFill>
-                <a:latin typeface="Calibri"/>
-                <a:ea typeface="Calibri"/>
-                <a:cs typeface="Calibri"/>
-                <a:sym typeface="Calibri"/>
-              </a:rPr>
-              <a:t>.</a:t>
+              <a:t>Se puede usar con pocos o muchos datos de entrenamiento.</a:t>
             </a:r>
             <a:endParaRPr sz="1900" dirty="0">
               <a:solidFill>
@@ -19671,14 +18684,14 @@
               <a:buNone/>
             </a:pPr>
             <a:r>
-              <a:rPr lang="en-GB">
+              <a:rPr lang="en-GB" dirty="0">
                 <a:solidFill>
                   <a:srgbClr val="FF0000"/>
                 </a:solidFill>
               </a:rPr>
               <a:t>Ventajas e Inconvenientes</a:t>
             </a:r>
-            <a:endParaRPr/>
+            <a:endParaRPr dirty="0"/>
           </a:p>
         </p:txBody>
       </p:sp>
@@ -19720,7 +18733,7 @@
               <a:buNone/>
             </a:pPr>
             <a:r>
-              <a:rPr lang="en-GB" sz="2100" b="1" dirty="0" err="1">
+              <a:rPr lang="en-GB" sz="2100" b="1" dirty="0">
                 <a:solidFill>
                   <a:schemeClr val="lt1"/>
                 </a:solidFill>
@@ -19729,19 +18742,7 @@
                 <a:cs typeface="Calibri"/>
                 <a:sym typeface="Calibri"/>
               </a:rPr>
-              <a:t>Inconvenientes</a:t>
-            </a:r>
-            <a:r>
-              <a:rPr lang="en-GB" sz="2100" b="1" dirty="0">
-                <a:solidFill>
-                  <a:schemeClr val="lt1"/>
-                </a:solidFill>
-                <a:latin typeface="Calibri"/>
-                <a:ea typeface="Calibri"/>
-                <a:cs typeface="Calibri"/>
-                <a:sym typeface="Calibri"/>
-              </a:rPr>
-              <a:t> </a:t>
+              <a:t>Inconvenientes </a:t>
             </a:r>
             <a:endParaRPr sz="2100" b="1" dirty="0">
               <a:solidFill>
@@ -19796,7 +18797,7 @@
               <a:buChar char="●"/>
             </a:pPr>
             <a:r>
-              <a:rPr lang="en-GB" sz="1900" b="1" dirty="0" err="1">
+              <a:rPr lang="en-GB" sz="1900" b="1" dirty="0">
                 <a:solidFill>
                   <a:schemeClr val="bg1"/>
                 </a:solidFill>
@@ -19859,7 +18860,7 @@
               <a:buChar char="●"/>
             </a:pPr>
             <a:r>
-              <a:rPr lang="en-GB" sz="1900" dirty="0" err="1">
+              <a:rPr lang="en-GB" sz="1900" dirty="0">
                 <a:solidFill>
                   <a:schemeClr val="bg1"/>
                 </a:solidFill>
@@ -19868,43 +18869,7 @@
                 <a:cs typeface="Calibri"/>
                 <a:sym typeface="Calibri"/>
               </a:rPr>
-              <a:t>Muy</a:t>
-            </a:r>
-            <a:r>
-              <a:rPr lang="en-GB" sz="1900" dirty="0">
-                <a:solidFill>
-                  <a:schemeClr val="bg1"/>
-                </a:solidFill>
-                <a:latin typeface="Calibri"/>
-                <a:ea typeface="Calibri"/>
-                <a:cs typeface="Calibri"/>
-                <a:sym typeface="Calibri"/>
-              </a:rPr>
-              <a:t> </a:t>
-            </a:r>
-            <a:r>
-              <a:rPr lang="en-GB" sz="1900" dirty="0" err="1">
-                <a:solidFill>
-                  <a:schemeClr val="bg1"/>
-                </a:solidFill>
-                <a:latin typeface="Calibri"/>
-                <a:ea typeface="Calibri"/>
-                <a:cs typeface="Calibri"/>
-                <a:sym typeface="Calibri"/>
-              </a:rPr>
-              <a:t>propenso</a:t>
-            </a:r>
-            <a:r>
-              <a:rPr lang="en-GB" sz="1900" dirty="0">
-                <a:solidFill>
-                  <a:schemeClr val="bg1"/>
-                </a:solidFill>
-                <a:latin typeface="Calibri"/>
-                <a:ea typeface="Calibri"/>
-                <a:cs typeface="Calibri"/>
-                <a:sym typeface="Calibri"/>
-              </a:rPr>
-              <a:t> al </a:t>
+              <a:t>Muy propenso al </a:t>
             </a:r>
             <a:r>
               <a:rPr lang="en-GB" sz="1900" b="1" dirty="0">
@@ -19928,103 +18893,7 @@
                 <a:cs typeface="Calibri"/>
                 <a:sym typeface="Calibri"/>
               </a:rPr>
-              <a:t> </a:t>
-            </a:r>
-            <a:r>
-              <a:rPr lang="en-GB" sz="1900" dirty="0" err="1">
-                <a:solidFill>
-                  <a:schemeClr val="bg1"/>
-                </a:solidFill>
-                <a:latin typeface="Calibri"/>
-                <a:ea typeface="Calibri"/>
-                <a:cs typeface="Calibri"/>
-                <a:sym typeface="Calibri"/>
-              </a:rPr>
-              <a:t>si</a:t>
-            </a:r>
-            <a:r>
-              <a:rPr lang="en-GB" sz="1900" dirty="0">
-                <a:solidFill>
-                  <a:schemeClr val="bg1"/>
-                </a:solidFill>
-                <a:latin typeface="Calibri"/>
-                <a:ea typeface="Calibri"/>
-                <a:cs typeface="Calibri"/>
-                <a:sym typeface="Calibri"/>
-              </a:rPr>
-              <a:t> no se </a:t>
-            </a:r>
-            <a:r>
-              <a:rPr lang="en-GB" sz="1900" dirty="0" err="1">
-                <a:solidFill>
-                  <a:schemeClr val="bg1"/>
-                </a:solidFill>
-                <a:latin typeface="Calibri"/>
-                <a:ea typeface="Calibri"/>
-                <a:cs typeface="Calibri"/>
-                <a:sym typeface="Calibri"/>
-              </a:rPr>
-              <a:t>controla</a:t>
-            </a:r>
-            <a:r>
-              <a:rPr lang="en-GB" sz="1900" dirty="0">
-                <a:solidFill>
-                  <a:schemeClr val="bg1"/>
-                </a:solidFill>
-                <a:latin typeface="Calibri"/>
-                <a:ea typeface="Calibri"/>
-                <a:cs typeface="Calibri"/>
-                <a:sym typeface="Calibri"/>
-              </a:rPr>
-              <a:t> </a:t>
-            </a:r>
-            <a:r>
-              <a:rPr lang="en-GB" sz="1900" dirty="0" err="1">
-                <a:solidFill>
-                  <a:schemeClr val="bg1"/>
-                </a:solidFill>
-                <a:latin typeface="Calibri"/>
-                <a:ea typeface="Calibri"/>
-                <a:cs typeface="Calibri"/>
-                <a:sym typeface="Calibri"/>
-              </a:rPr>
-              <a:t>el</a:t>
-            </a:r>
-            <a:r>
-              <a:rPr lang="en-GB" sz="1900" dirty="0">
-                <a:solidFill>
-                  <a:schemeClr val="bg1"/>
-                </a:solidFill>
-                <a:latin typeface="Calibri"/>
-                <a:ea typeface="Calibri"/>
-                <a:cs typeface="Calibri"/>
-                <a:sym typeface="Calibri"/>
-              </a:rPr>
-              <a:t> </a:t>
-            </a:r>
-            <a:r>
-              <a:rPr lang="en-GB" sz="1900" dirty="0" err="1">
-                <a:solidFill>
-                  <a:schemeClr val="bg1"/>
-                </a:solidFill>
-                <a:latin typeface="Calibri"/>
-                <a:ea typeface="Calibri"/>
-                <a:cs typeface="Calibri"/>
-                <a:sym typeface="Calibri"/>
-              </a:rPr>
-              <a:t>tamaño</a:t>
-            </a:r>
-            <a:r>
-              <a:rPr lang="en-GB" sz="1900" dirty="0">
-                <a:solidFill>
-                  <a:schemeClr val="bg1"/>
-                </a:solidFill>
-                <a:latin typeface="Calibri"/>
-                <a:ea typeface="Calibri"/>
-                <a:cs typeface="Calibri"/>
-                <a:sym typeface="Calibri"/>
-              </a:rPr>
-              <a:t> del árbol.</a:t>
+              <a:t> si no se controla el tamaño del árbol.</a:t>
             </a:r>
             <a:endParaRPr sz="1900" dirty="0">
               <a:solidFill>
@@ -20054,7 +18923,7 @@
               <a:buChar char="●"/>
             </a:pPr>
             <a:r>
-              <a:rPr lang="en-GB" sz="1900" dirty="0" err="1">
+              <a:rPr lang="en-GB" sz="1900" dirty="0">
                 <a:solidFill>
                   <a:schemeClr val="bg1"/>
                 </a:solidFill>
@@ -20063,91 +18932,7 @@
                 <a:cs typeface="Calibri"/>
                 <a:sym typeface="Calibri"/>
               </a:rPr>
-              <a:t>Arboles</a:t>
-            </a:r>
-            <a:r>
-              <a:rPr lang="en-GB" sz="1900" dirty="0">
-                <a:solidFill>
-                  <a:schemeClr val="bg1"/>
-                </a:solidFill>
-                <a:latin typeface="Calibri"/>
-                <a:ea typeface="Calibri"/>
-                <a:cs typeface="Calibri"/>
-                <a:sym typeface="Calibri"/>
-              </a:rPr>
-              <a:t> </a:t>
-            </a:r>
-            <a:r>
-              <a:rPr lang="en-GB" sz="1900" dirty="0" err="1">
-                <a:solidFill>
-                  <a:schemeClr val="bg1"/>
-                </a:solidFill>
-                <a:latin typeface="Calibri"/>
-                <a:ea typeface="Calibri"/>
-                <a:cs typeface="Calibri"/>
-                <a:sym typeface="Calibri"/>
-              </a:rPr>
-              <a:t>grandes</a:t>
-            </a:r>
-            <a:r>
-              <a:rPr lang="en-GB" sz="1900" dirty="0">
-                <a:solidFill>
-                  <a:schemeClr val="bg1"/>
-                </a:solidFill>
-                <a:latin typeface="Calibri"/>
-                <a:ea typeface="Calibri"/>
-                <a:cs typeface="Calibri"/>
-                <a:sym typeface="Calibri"/>
-              </a:rPr>
-              <a:t> son </a:t>
-            </a:r>
-            <a:r>
-              <a:rPr lang="en-GB" sz="1900" dirty="0" err="1">
-                <a:solidFill>
-                  <a:schemeClr val="bg1"/>
-                </a:solidFill>
-                <a:latin typeface="Calibri"/>
-                <a:ea typeface="Calibri"/>
-                <a:cs typeface="Calibri"/>
-                <a:sym typeface="Calibri"/>
-              </a:rPr>
-              <a:t>difíciles</a:t>
-            </a:r>
-            <a:r>
-              <a:rPr lang="en-GB" sz="1900" dirty="0">
-                <a:solidFill>
-                  <a:schemeClr val="bg1"/>
-                </a:solidFill>
-                <a:latin typeface="Calibri"/>
-                <a:ea typeface="Calibri"/>
-                <a:cs typeface="Calibri"/>
-                <a:sym typeface="Calibri"/>
-              </a:rPr>
-              <a:t> de </a:t>
-            </a:r>
-            <a:r>
-              <a:rPr lang="en-GB" sz="1900" dirty="0" err="1">
-                <a:solidFill>
-                  <a:schemeClr val="bg1"/>
-                </a:solidFill>
-                <a:latin typeface="Calibri"/>
-                <a:ea typeface="Calibri"/>
-                <a:cs typeface="Calibri"/>
-                <a:sym typeface="Calibri"/>
-              </a:rPr>
-              <a:t>interpretar</a:t>
-            </a:r>
-            <a:r>
-              <a:rPr lang="en-GB" sz="1900" dirty="0">
-                <a:solidFill>
-                  <a:schemeClr val="bg1"/>
-                </a:solidFill>
-                <a:latin typeface="Calibri"/>
-                <a:ea typeface="Calibri"/>
-                <a:cs typeface="Calibri"/>
-                <a:sym typeface="Calibri"/>
-              </a:rPr>
-              <a:t>.</a:t>
+              <a:t>Arboles grandes son difíciles de interpretar.</a:t>
             </a:r>
             <a:endParaRPr sz="1900" dirty="0">
               <a:solidFill>
@@ -20180,31 +18965,7 @@
                 <a:cs typeface="Calibri"/>
                 <a:sym typeface="Calibri"/>
               </a:rPr>
-              <a:t>Cada </a:t>
-            </a:r>
-            <a:r>
-              <a:rPr lang="es-ES" sz="1900" dirty="0" err="1">
-                <a:solidFill>
-                  <a:schemeClr val="bg1"/>
-                </a:solidFill>
-                <a:latin typeface="Calibri"/>
-                <a:ea typeface="Calibri"/>
-                <a:cs typeface="Calibri"/>
-                <a:sym typeface="Calibri"/>
-              </a:rPr>
-              <a:t>split</a:t>
-            </a:r>
-            <a:r>
-              <a:rPr lang="es-ES" sz="1900" dirty="0">
-                <a:solidFill>
-                  <a:schemeClr val="bg1"/>
-                </a:solidFill>
-                <a:latin typeface="Calibri"/>
-                <a:ea typeface="Calibri"/>
-                <a:cs typeface="Calibri"/>
-                <a:sym typeface="Calibri"/>
-              </a:rPr>
-              <a:t> depende del anterior, por lo que</a:t>
+              <a:t>Cada split depende del anterior, por lo que</a:t>
             </a:r>
             <a:r>
               <a:rPr lang="es-ES" sz="1900" b="1" dirty="0">
@@ -20650,87 +19411,7 @@
                 <a:latin typeface="Calibri" panose="020F0502020204030204" pitchFamily="34" charset="0"/>
                 <a:cs typeface="Times New Roman" panose="02020603050405020304" pitchFamily="18" charset="0"/>
               </a:rPr>
-              <a:t>como el </a:t>
-            </a:r>
-            <a:r>
-              <a:rPr lang="es-ES" sz="1800" dirty="0" err="1">
-                <a:solidFill>
-                  <a:schemeClr val="bg1"/>
-                </a:solidFill>
-                <a:latin typeface="Calibri" panose="020F0502020204030204" pitchFamily="34" charset="0"/>
-                <a:cs typeface="Times New Roman" panose="02020603050405020304" pitchFamily="18" charset="0"/>
-              </a:rPr>
-              <a:t>random</a:t>
-            </a:r>
-            <a:r>
-              <a:rPr lang="es-ES" sz="1800" dirty="0">
-                <a:solidFill>
-                  <a:schemeClr val="bg1"/>
-                </a:solidFill>
-                <a:latin typeface="Calibri" panose="020F0502020204030204" pitchFamily="34" charset="0"/>
-                <a:cs typeface="Times New Roman" panose="02020603050405020304" pitchFamily="18" charset="0"/>
-              </a:rPr>
-              <a:t> </a:t>
-            </a:r>
-            <a:r>
-              <a:rPr lang="es-ES" sz="1800" dirty="0" err="1">
-                <a:solidFill>
-                  <a:schemeClr val="bg1"/>
-                </a:solidFill>
-                <a:latin typeface="Calibri" panose="020F0502020204030204" pitchFamily="34" charset="0"/>
-                <a:cs typeface="Times New Roman" panose="02020603050405020304" pitchFamily="18" charset="0"/>
-              </a:rPr>
-              <a:t>forest</a:t>
-            </a:r>
-            <a:r>
-              <a:rPr lang="es-ES" sz="1800" dirty="0">
-                <a:solidFill>
-                  <a:schemeClr val="bg1"/>
-                </a:solidFill>
-                <a:latin typeface="Calibri" panose="020F0502020204030204" pitchFamily="34" charset="0"/>
-                <a:cs typeface="Times New Roman" panose="02020603050405020304" pitchFamily="18" charset="0"/>
-              </a:rPr>
-              <a:t>, </a:t>
-            </a:r>
-            <a:r>
-              <a:rPr lang="es-ES" sz="1800" dirty="0" err="1">
-                <a:solidFill>
-                  <a:schemeClr val="bg1"/>
-                </a:solidFill>
-                <a:latin typeface="Calibri" panose="020F0502020204030204" pitchFamily="34" charset="0"/>
-                <a:cs typeface="Times New Roman" panose="02020603050405020304" pitchFamily="18" charset="0"/>
-              </a:rPr>
-              <a:t>gradient</a:t>
-            </a:r>
-            <a:r>
-              <a:rPr lang="es-ES" sz="1800" dirty="0">
-                <a:solidFill>
-                  <a:schemeClr val="bg1"/>
-                </a:solidFill>
-                <a:latin typeface="Calibri" panose="020F0502020204030204" pitchFamily="34" charset="0"/>
-                <a:cs typeface="Times New Roman" panose="02020603050405020304" pitchFamily="18" charset="0"/>
-              </a:rPr>
-              <a:t> </a:t>
-            </a:r>
-            <a:r>
-              <a:rPr lang="es-ES" sz="1800" dirty="0" err="1">
-                <a:solidFill>
-                  <a:schemeClr val="bg1"/>
-                </a:solidFill>
-                <a:latin typeface="Calibri" panose="020F0502020204030204" pitchFamily="34" charset="0"/>
-                <a:cs typeface="Times New Roman" panose="02020603050405020304" pitchFamily="18" charset="0"/>
-              </a:rPr>
-              <a:t>boosting</a:t>
-            </a:r>
-            <a:r>
-              <a:rPr lang="es-ES" sz="1800" dirty="0">
-                <a:solidFill>
-                  <a:schemeClr val="bg1"/>
-                </a:solidFill>
-                <a:latin typeface="Calibri" panose="020F0502020204030204" pitchFamily="34" charset="0"/>
-                <a:cs typeface="Times New Roman" panose="02020603050405020304" pitchFamily="18" charset="0"/>
-              </a:rPr>
-              <a:t> o XG </a:t>
+              <a:t>como el random forest, gradient boosting o XG </a:t>
             </a:r>
             <a:r>
               <a:rPr lang="es-ES" sz="1800" dirty="0" err="1">
